--- a/System Programming/WEEK/Week1/01.CProgrammingExamples.pptx
+++ b/System Programming/WEEK/Week1/01.CProgrammingExamples.pptx
@@ -10982,7 +10982,7 @@
           <a:p>
             <a:r>
               <a:rPr lang="en-US" altLang="ko-KR" sz="1800" b="0" dirty="0"/>
-              <a:t>but K</a:t>
+              <a:t>but S</a:t>
             </a:r>
             <a:endParaRPr lang="ko-KR" altLang="en-US" sz="1800" b="0" dirty="0"/>
           </a:p>
@@ -18707,22 +18707,6 @@
                 <a:ea typeface="Tahoma" panose="020B0604030504040204" pitchFamily="34" charset="0"/>
                 <a:cs typeface="Courier New" panose="02070309020205020404" pitchFamily="49" charset="0"/>
               </a:rPr>
-              <a:t> -</a:t>
-            </a:r>
-            <a:r>
-              <a:rPr lang="en-US" altLang="ko-KR" sz="1800" b="0" dirty="0" err="1">
-                <a:latin typeface="Courier New" panose="02070309020205020404" pitchFamily="49" charset="0"/>
-                <a:ea typeface="Tahoma" panose="020B0604030504040204" pitchFamily="34" charset="0"/>
-                <a:cs typeface="Courier New" panose="02070309020205020404" pitchFamily="49" charset="0"/>
-              </a:rPr>
-              <a:t>ansi</a:t>
-            </a:r>
-            <a:r>
-              <a:rPr lang="en-US" altLang="ko-KR" sz="1800" b="0" dirty="0">
-                <a:latin typeface="Courier New" panose="02070309020205020404" pitchFamily="49" charset="0"/>
-                <a:ea typeface="Tahoma" panose="020B0604030504040204" pitchFamily="34" charset="0"/>
-                <a:cs typeface="Courier New" panose="02070309020205020404" pitchFamily="49" charset="0"/>
-              </a:rPr>
               <a:t> -pedantic -std=c99 </a:t>
             </a:r>
           </a:p>
@@ -26018,25 +26002,18 @@
               <a:t>Werror</a:t>
             </a:r>
             <a:r>
+              <a:rPr lang="en-US" altLang="ko-KR" sz="1500" b="0">
+                <a:latin typeface="Courier New" panose="02070309020205020404" pitchFamily="49" charset="0"/>
+                <a:cs typeface="Courier New" panose="02070309020205020404" pitchFamily="49" charset="0"/>
+              </a:rPr>
+              <a:t> -</a:t>
+            </a:r>
+            <a:r>
               <a:rPr lang="en-US" altLang="ko-KR" sz="1500" b="0" dirty="0">
                 <a:latin typeface="Courier New" panose="02070309020205020404" pitchFamily="49" charset="0"/>
                 <a:cs typeface="Courier New" panose="02070309020205020404" pitchFamily="49" charset="0"/>
               </a:rPr>
-              <a:t> -</a:t>
-            </a:r>
-            <a:r>
-              <a:rPr lang="en-US" altLang="ko-KR" sz="1500" b="0" dirty="0" err="1">
-                <a:latin typeface="Courier New" panose="02070309020205020404" pitchFamily="49" charset="0"/>
-                <a:cs typeface="Courier New" panose="02070309020205020404" pitchFamily="49" charset="0"/>
-              </a:rPr>
-              <a:t>ansi</a:t>
-            </a:r>
-            <a:r>
-              <a:rPr lang="en-US" altLang="ko-KR" sz="1500" b="0" dirty="0">
-                <a:latin typeface="Courier New" panose="02070309020205020404" pitchFamily="49" charset="0"/>
-                <a:cs typeface="Courier New" panose="02070309020205020404" pitchFamily="49" charset="0"/>
-              </a:rPr>
-              <a:t> -pedantic -</a:t>
+              <a:t>pedantic -</a:t>
             </a:r>
             <a:r>
               <a:rPr lang="en-US" altLang="ko-KR" sz="1500" b="0" dirty="0" err="1">
